--- a/SpringBootIntro_IC_2021-03.pptx
+++ b/SpringBootIntro_IC_2021-03.pptx
@@ -230,7 +230,7 @@
           <a:p>
             <a:fld id="{F7BE9CEC-0372-4C62-AA22-4AB65E0F7AF4}" type="datetimeFigureOut">
               <a:rPr lang="it-IT" smtClean="0"/>
-              <a:t>10/03/2021</a:t>
+              <a:t>11/03/2021</a:t>
             </a:fld>
             <a:endParaRPr lang="it-IT"/>
           </a:p>
@@ -3052,7 +3052,7 @@
           <a:p>
             <a:fld id="{28C228CB-C8AF-4445-880A-AE448CF62B03}" type="datetime1">
               <a:rPr lang="it-IT" smtClean="0"/>
-              <a:t>10/03/2021</a:t>
+              <a:t>11/03/2021</a:t>
             </a:fld>
             <a:endParaRPr lang="it-IT"/>
           </a:p>
@@ -3223,7 +3223,7 @@
           <a:p>
             <a:fld id="{1A91A0C2-9449-4DC4-8571-BAC4C0B3CCC5}" type="datetime1">
               <a:rPr lang="it-IT" smtClean="0"/>
-              <a:t>10/03/2021</a:t>
+              <a:t>11/03/2021</a:t>
             </a:fld>
             <a:endParaRPr lang="it-IT"/>
           </a:p>
@@ -3404,7 +3404,7 @@
           <a:p>
             <a:fld id="{8C92729B-B0E3-4280-B9F4-0233913AD3CA}" type="datetime1">
               <a:rPr lang="it-IT" smtClean="0"/>
-              <a:t>10/03/2021</a:t>
+              <a:t>11/03/2021</a:t>
             </a:fld>
             <a:endParaRPr lang="it-IT"/>
           </a:p>
@@ -3575,7 +3575,7 @@
           <a:p>
             <a:fld id="{33DB282C-313B-4B5C-907E-C8B07CED944D}" type="datetime1">
               <a:rPr lang="it-IT" smtClean="0"/>
-              <a:t>10/03/2021</a:t>
+              <a:t>11/03/2021</a:t>
             </a:fld>
             <a:endParaRPr lang="it-IT"/>
           </a:p>
@@ -3823,7 +3823,7 @@
           <a:p>
             <a:fld id="{DC9109F4-EFE0-4559-B47D-0AF47DDC86A5}" type="datetime1">
               <a:rPr lang="it-IT" smtClean="0"/>
-              <a:t>10/03/2021</a:t>
+              <a:t>11/03/2021</a:t>
             </a:fld>
             <a:endParaRPr lang="it-IT"/>
           </a:p>
@@ -4111,7 +4111,7 @@
           <a:p>
             <a:fld id="{67C674A1-5FE5-458E-AF10-3F1F55FBECF1}" type="datetime1">
               <a:rPr lang="it-IT" smtClean="0"/>
-              <a:t>10/03/2021</a:t>
+              <a:t>11/03/2021</a:t>
             </a:fld>
             <a:endParaRPr lang="it-IT"/>
           </a:p>
@@ -4533,7 +4533,7 @@
           <a:p>
             <a:fld id="{AF4D0CC6-8DB5-412E-B592-EF02D7A800B5}" type="datetime1">
               <a:rPr lang="it-IT" smtClean="0"/>
-              <a:t>10/03/2021</a:t>
+              <a:t>11/03/2021</a:t>
             </a:fld>
             <a:endParaRPr lang="it-IT"/>
           </a:p>
@@ -4653,7 +4653,7 @@
           <a:p>
             <a:fld id="{A7F1EEAA-85CF-4FD2-B1AF-567BA4EDE9C3}" type="datetime1">
               <a:rPr lang="it-IT" smtClean="0"/>
-              <a:t>10/03/2021</a:t>
+              <a:t>11/03/2021</a:t>
             </a:fld>
             <a:endParaRPr lang="it-IT"/>
           </a:p>
@@ -4751,7 +4751,7 @@
           <a:p>
             <a:fld id="{3A756914-5FFF-49DF-AC21-EFE1AF2F53BB}" type="datetime1">
               <a:rPr lang="it-IT" smtClean="0"/>
-              <a:t>10/03/2021</a:t>
+              <a:t>11/03/2021</a:t>
             </a:fld>
             <a:endParaRPr lang="it-IT"/>
           </a:p>
@@ -5029,7 +5029,7 @@
           <a:p>
             <a:fld id="{D131F2AA-C659-4F7F-A6E8-7D8F29880DD9}" type="datetime1">
               <a:rPr lang="it-IT" smtClean="0"/>
-              <a:t>10/03/2021</a:t>
+              <a:t>11/03/2021</a:t>
             </a:fld>
             <a:endParaRPr lang="it-IT"/>
           </a:p>
@@ -5284,7 +5284,7 @@
           <a:p>
             <a:fld id="{77CA1A19-5391-4E42-AFCC-8DC50235D2E7}" type="datetime1">
               <a:rPr lang="it-IT" smtClean="0"/>
-              <a:t>10/03/2021</a:t>
+              <a:t>11/03/2021</a:t>
             </a:fld>
             <a:endParaRPr lang="it-IT"/>
           </a:p>
@@ -5498,7 +5498,7 @@
           <a:p>
             <a:fld id="{0F5876CE-6F3F-45AD-BFE2-21FA29702FB7}" type="datetime1">
               <a:rPr lang="it-IT" smtClean="0"/>
-              <a:t>10/03/2021</a:t>
+              <a:t>11/03/2021</a:t>
             </a:fld>
             <a:endParaRPr lang="it-IT"/>
           </a:p>
@@ -11628,6 +11628,42 @@
           </a:p>
         </p:txBody>
       </p:sp>
+      <p:pic>
+        <p:nvPicPr>
+          <p:cNvPr id="6" name="Immagine 5" descr="Immagine che contiene LEGO, giocattolo&#10;&#10;Descrizione generata automaticamente">
+            <a:extLst>
+              <a:ext uri="{FF2B5EF4-FFF2-40B4-BE49-F238E27FC236}">
+                <a16:creationId xmlns:a16="http://schemas.microsoft.com/office/drawing/2014/main" id="{0D0900D4-E242-4E3B-AEE7-56872DB0108A}"/>
+              </a:ext>
+            </a:extLst>
+          </p:cNvPr>
+          <p:cNvPicPr>
+            <a:picLocks noChangeAspect="1"/>
+          </p:cNvPicPr>
+          <p:nvPr/>
+        </p:nvPicPr>
+        <p:blipFill>
+          <a:blip r:embed="rId5" cstate="print">
+            <a:extLst>
+              <a:ext uri="{28A0092B-C50C-407E-A947-70E740481C1C}">
+                <a14:useLocalDpi xmlns:a14="http://schemas.microsoft.com/office/drawing/2010/main" val="0"/>
+              </a:ext>
+            </a:extLst>
+          </a:blip>
+          <a:stretch>
+            <a:fillRect/>
+          </a:stretch>
+        </p:blipFill>
+        <p:spPr>
+          <a:xfrm>
+            <a:off x="7377902" y="3320751"/>
+            <a:ext cx="1225087" cy="1631815"/>
+          </a:xfrm>
+          <a:prstGeom prst="rect">
+            <a:avLst/>
+          </a:prstGeom>
+        </p:spPr>
+      </p:pic>
     </p:spTree>
     <p:extLst>
       <p:ext uri="{BB962C8B-B14F-4D97-AF65-F5344CB8AC3E}">
@@ -12685,6 +12721,42 @@
           </a:p>
         </p:txBody>
       </p:sp>
+      <p:pic>
+        <p:nvPicPr>
+          <p:cNvPr id="12" name="Immagine 11" descr="Immagine che contiene giocattolo, LEGO&#10;&#10;Descrizione generata automaticamente">
+            <a:extLst>
+              <a:ext uri="{FF2B5EF4-FFF2-40B4-BE49-F238E27FC236}">
+                <a16:creationId xmlns:a16="http://schemas.microsoft.com/office/drawing/2014/main" id="{48D3D6D7-B7A5-431D-9457-DB285D883F0F}"/>
+              </a:ext>
+            </a:extLst>
+          </p:cNvPr>
+          <p:cNvPicPr>
+            <a:picLocks noChangeAspect="1"/>
+          </p:cNvPicPr>
+          <p:nvPr/>
+        </p:nvPicPr>
+        <p:blipFill>
+          <a:blip r:embed="rId5" cstate="print">
+            <a:extLst>
+              <a:ext uri="{28A0092B-C50C-407E-A947-70E740481C1C}">
+                <a14:useLocalDpi xmlns:a14="http://schemas.microsoft.com/office/drawing/2010/main" val="0"/>
+              </a:ext>
+            </a:extLst>
+          </a:blip>
+          <a:stretch>
+            <a:fillRect/>
+          </a:stretch>
+        </p:blipFill>
+        <p:spPr>
+          <a:xfrm>
+            <a:off x="6964919" y="3923726"/>
+            <a:ext cx="1721881" cy="1721881"/>
+          </a:xfrm>
+          <a:prstGeom prst="rect">
+            <a:avLst/>
+          </a:prstGeom>
+        </p:spPr>
+      </p:pic>
     </p:spTree>
     <p:extLst>
       <p:ext uri="{BB962C8B-B14F-4D97-AF65-F5344CB8AC3E}">
@@ -13674,8 +13746,8 @@
           </a:xfrm>
           <a:prstGeom prst="wedgeEllipseCallout">
             <a:avLst>
-              <a:gd name="adj1" fmla="val -28046"/>
-              <a:gd name="adj2" fmla="val -148045"/>
+              <a:gd name="adj1" fmla="val -87054"/>
+              <a:gd name="adj2" fmla="val -65813"/>
             </a:avLst>
           </a:prstGeom>
           <a:solidFill>
@@ -13770,6 +13842,42 @@
           </a:p>
         </p:txBody>
       </p:sp>
+      <p:pic>
+        <p:nvPicPr>
+          <p:cNvPr id="6" name="Immagine 5" descr="Immagine che contiene giocattolo, LEGO&#10;&#10;Descrizione generata automaticamente">
+            <a:extLst>
+              <a:ext uri="{FF2B5EF4-FFF2-40B4-BE49-F238E27FC236}">
+                <a16:creationId xmlns:a16="http://schemas.microsoft.com/office/drawing/2014/main" id="{305A80C7-B84A-4BA4-9E7D-D628E6E8874F}"/>
+              </a:ext>
+            </a:extLst>
+          </p:cNvPr>
+          <p:cNvPicPr>
+            <a:picLocks noChangeAspect="1"/>
+          </p:cNvPicPr>
+          <p:nvPr/>
+        </p:nvPicPr>
+        <p:blipFill>
+          <a:blip r:embed="rId5">
+            <a:extLst>
+              <a:ext uri="{28A0092B-C50C-407E-A947-70E740481C1C}">
+                <a14:useLocalDpi xmlns:a14="http://schemas.microsoft.com/office/drawing/2010/main" val="0"/>
+              </a:ext>
+            </a:extLst>
+          </a:blip>
+          <a:stretch>
+            <a:fillRect/>
+          </a:stretch>
+        </p:blipFill>
+        <p:spPr>
+          <a:xfrm>
+            <a:off x="2421211" y="3784380"/>
+            <a:ext cx="1900136" cy="1900136"/>
+          </a:xfrm>
+          <a:prstGeom prst="rect">
+            <a:avLst/>
+          </a:prstGeom>
+        </p:spPr>
+      </p:pic>
     </p:spTree>
     <p:extLst>
       <p:ext uri="{BB962C8B-B14F-4D97-AF65-F5344CB8AC3E}">
